--- a/docs/deployment_guide/images/guardium-insights-architecture-diagram.pptx
+++ b/docs/deployment_guide/images/guardium-insights-architecture-diagram.pptx
@@ -5,7 +5,7 @@
     <p:sldMasterId id="2147483660" r:id="rId1"/>
   </p:sldMasterIdLst>
   <p:sldIdLst>
-    <p:sldId id="257" r:id="rId2"/>
+    <p:sldId id="258" r:id="rId2"/>
   </p:sldIdLst>
   <p:sldSz cx="14630400" cy="14630400"/>
   <p:notesSz cx="6858000" cy="9144000"/>
@@ -243,7 +243,7 @@
           <a:p>
             <a:fld id="{EC8D3B35-D2A9-4703-B981-4D525078C7E4}" type="datetimeFigureOut">
               <a:rPr lang="en-US" smtClean="0"/>
-              <a:t>8/24/2022</a:t>
+              <a:t>9/6/2022</a:t>
             </a:fld>
             <a:endParaRPr lang="en-US"/>
           </a:p>
@@ -413,7 +413,7 @@
           <a:p>
             <a:fld id="{EC8D3B35-D2A9-4703-B981-4D525078C7E4}" type="datetimeFigureOut">
               <a:rPr lang="en-US" smtClean="0"/>
-              <a:t>8/24/2022</a:t>
+              <a:t>9/6/2022</a:t>
             </a:fld>
             <a:endParaRPr lang="en-US"/>
           </a:p>
@@ -593,7 +593,7 @@
           <a:p>
             <a:fld id="{EC8D3B35-D2A9-4703-B981-4D525078C7E4}" type="datetimeFigureOut">
               <a:rPr lang="en-US" smtClean="0"/>
-              <a:t>8/24/2022</a:t>
+              <a:t>9/6/2022</a:t>
             </a:fld>
             <a:endParaRPr lang="en-US"/>
           </a:p>
@@ -763,7 +763,7 @@
           <a:p>
             <a:fld id="{EC8D3B35-D2A9-4703-B981-4D525078C7E4}" type="datetimeFigureOut">
               <a:rPr lang="en-US" smtClean="0"/>
-              <a:t>8/24/2022</a:t>
+              <a:t>9/6/2022</a:t>
             </a:fld>
             <a:endParaRPr lang="en-US"/>
           </a:p>
@@ -1007,7 +1007,7 @@
           <a:p>
             <a:fld id="{EC8D3B35-D2A9-4703-B981-4D525078C7E4}" type="datetimeFigureOut">
               <a:rPr lang="en-US" smtClean="0"/>
-              <a:t>8/24/2022</a:t>
+              <a:t>9/6/2022</a:t>
             </a:fld>
             <a:endParaRPr lang="en-US"/>
           </a:p>
@@ -1239,7 +1239,7 @@
           <a:p>
             <a:fld id="{EC8D3B35-D2A9-4703-B981-4D525078C7E4}" type="datetimeFigureOut">
               <a:rPr lang="en-US" smtClean="0"/>
-              <a:t>8/24/2022</a:t>
+              <a:t>9/6/2022</a:t>
             </a:fld>
             <a:endParaRPr lang="en-US"/>
           </a:p>
@@ -1606,7 +1606,7 @@
           <a:p>
             <a:fld id="{EC8D3B35-D2A9-4703-B981-4D525078C7E4}" type="datetimeFigureOut">
               <a:rPr lang="en-US" smtClean="0"/>
-              <a:t>8/24/2022</a:t>
+              <a:t>9/6/2022</a:t>
             </a:fld>
             <a:endParaRPr lang="en-US"/>
           </a:p>
@@ -1724,7 +1724,7 @@
           <a:p>
             <a:fld id="{EC8D3B35-D2A9-4703-B981-4D525078C7E4}" type="datetimeFigureOut">
               <a:rPr lang="en-US" smtClean="0"/>
-              <a:t>8/24/2022</a:t>
+              <a:t>9/6/2022</a:t>
             </a:fld>
             <a:endParaRPr lang="en-US"/>
           </a:p>
@@ -1819,7 +1819,7 @@
           <a:p>
             <a:fld id="{EC8D3B35-D2A9-4703-B981-4D525078C7E4}" type="datetimeFigureOut">
               <a:rPr lang="en-US" smtClean="0"/>
-              <a:t>8/24/2022</a:t>
+              <a:t>9/6/2022</a:t>
             </a:fld>
             <a:endParaRPr lang="en-US"/>
           </a:p>
@@ -2096,7 +2096,7 @@
           <a:p>
             <a:fld id="{EC8D3B35-D2A9-4703-B981-4D525078C7E4}" type="datetimeFigureOut">
               <a:rPr lang="en-US" smtClean="0"/>
-              <a:t>8/24/2022</a:t>
+              <a:t>9/6/2022</a:t>
             </a:fld>
             <a:endParaRPr lang="en-US"/>
           </a:p>
@@ -2353,7 +2353,7 @@
           <a:p>
             <a:fld id="{EC8D3B35-D2A9-4703-B981-4D525078C7E4}" type="datetimeFigureOut">
               <a:rPr lang="en-US" smtClean="0"/>
-              <a:t>8/24/2022</a:t>
+              <a:t>9/6/2022</a:t>
             </a:fld>
             <a:endParaRPr lang="en-US"/>
           </a:p>
@@ -2566,7 +2566,7 @@
           <a:p>
             <a:fld id="{EC8D3B35-D2A9-4703-B981-4D525078C7E4}" type="datetimeFigureOut">
               <a:rPr lang="en-US" smtClean="0"/>
-              <a:t>8/24/2022</a:t>
+              <a:t>9/6/2022</a:t>
             </a:fld>
             <a:endParaRPr lang="en-US"/>
           </a:p>
@@ -2985,8 +2985,8 @@
         </p:nvSpPr>
         <p:spPr>
           <a:xfrm>
-            <a:off x="2834620" y="1920299"/>
-            <a:ext cx="6309360" cy="4937760"/>
+            <a:off x="2834620" y="2103125"/>
+            <a:ext cx="6309360" cy="4754880"/>
           </a:xfrm>
           <a:prstGeom prst="rect">
             <a:avLst/>
@@ -3055,8 +3055,8 @@
         </p:nvSpPr>
         <p:spPr>
           <a:xfrm>
-            <a:off x="3474762" y="3657640"/>
-            <a:ext cx="5120640" cy="3108960"/>
+            <a:off x="3474762" y="3931926"/>
+            <a:ext cx="5120640" cy="2834640"/>
           </a:xfrm>
           <a:prstGeom prst="rect">
             <a:avLst/>
@@ -3127,8 +3127,8 @@
         </p:nvSpPr>
         <p:spPr>
           <a:xfrm>
-            <a:off x="1737421" y="1188788"/>
-            <a:ext cx="9235440" cy="5852160"/>
+            <a:off x="1737421" y="1371603"/>
+            <a:ext cx="9235440" cy="5669280"/>
           </a:xfrm>
           <a:prstGeom prst="rect">
             <a:avLst/>
@@ -3196,8 +3196,8 @@
         </p:nvSpPr>
         <p:spPr>
           <a:xfrm>
-            <a:off x="3291884" y="1554543"/>
-            <a:ext cx="5486400" cy="5394960"/>
+            <a:off x="3291884" y="1737364"/>
+            <a:ext cx="5486400" cy="5212080"/>
           </a:xfrm>
           <a:prstGeom prst="rect">
             <a:avLst/>
@@ -3266,7 +3266,7 @@
         </p:nvSpPr>
         <p:spPr>
           <a:xfrm>
-            <a:off x="3474762" y="2286055"/>
+            <a:off x="3474762" y="2560358"/>
             <a:ext cx="5120640" cy="1280160"/>
           </a:xfrm>
           <a:prstGeom prst="rect">
@@ -3351,7 +3351,7 @@
         </p:blipFill>
         <p:spPr>
           <a:xfrm>
-            <a:off x="1737421" y="1188787"/>
+            <a:off x="1737421" y="1371602"/>
             <a:ext cx="381000" cy="381000"/>
           </a:xfrm>
           <a:prstGeom prst="rect">
@@ -3387,7 +3387,7 @@
         </p:blipFill>
         <p:spPr>
           <a:xfrm>
-            <a:off x="2834620" y="1921887"/>
+            <a:off x="2834620" y="2104713"/>
             <a:ext cx="381000" cy="381000"/>
           </a:xfrm>
           <a:prstGeom prst="rect">
@@ -3423,7 +3423,7 @@
         </p:blipFill>
         <p:spPr>
           <a:xfrm>
-            <a:off x="3475397" y="2287643"/>
+            <a:off x="3475397" y="2561946"/>
             <a:ext cx="381000" cy="381000"/>
           </a:xfrm>
           <a:prstGeom prst="rect">
@@ -3459,7 +3459,7 @@
         </p:blipFill>
         <p:spPr>
           <a:xfrm>
-            <a:off x="3479524" y="3659228"/>
+            <a:off x="3479524" y="3933514"/>
             <a:ext cx="381000" cy="381000"/>
           </a:xfrm>
           <a:prstGeom prst="rect">
@@ -3814,7 +3814,7 @@
                 <a:ea typeface="Amazon Ember" panose="020B0603020204020204" pitchFamily="34" charset="0"/>
                 <a:cs typeface="Arial" panose="020B0604020202020204" pitchFamily="34" charset="0"/>
               </a:rPr>
-              <a:t>Balancers</a:t>
+              <a:t>Balancer</a:t>
             </a:r>
           </a:p>
         </p:txBody>
@@ -5294,7 +5294,7 @@
         </p:blipFill>
         <p:spPr bwMode="auto">
           <a:xfrm>
-            <a:off x="4261141" y="2651811"/>
+            <a:off x="4261141" y="2926114"/>
             <a:ext cx="457200" cy="457200"/>
           </a:xfrm>
           <a:prstGeom prst="rect">
@@ -5341,7 +5341,7 @@
         </p:nvSpPr>
         <p:spPr bwMode="auto">
           <a:xfrm>
-            <a:off x="3931957" y="3113048"/>
+            <a:off x="3931957" y="3387351"/>
             <a:ext cx="1115568" cy="430887"/>
           </a:xfrm>
           <a:prstGeom prst="rect">
@@ -5502,7 +5502,7 @@
         </p:nvSpPr>
         <p:spPr bwMode="auto">
           <a:xfrm>
-            <a:off x="5419348" y="3113048"/>
+            <a:off x="5419348" y="3387351"/>
             <a:ext cx="1234766" cy="261610"/>
           </a:xfrm>
           <a:prstGeom prst="rect">
@@ -5676,7 +5676,7 @@
         </p:blipFill>
         <p:spPr bwMode="auto">
           <a:xfrm>
-            <a:off x="5815604" y="2654261"/>
+            <a:off x="5815604" y="2928564"/>
             <a:ext cx="457200" cy="457200"/>
           </a:xfrm>
           <a:prstGeom prst="rect">
@@ -6455,7 +6455,7 @@
         <p:spPr>
           <a:xfrm>
             <a:off x="917118" y="7063046"/>
-            <a:ext cx="9227133" cy="5047536"/>
+            <a:ext cx="9227133" cy="5262979"/>
           </a:xfrm>
           <a:prstGeom prst="rect">
             <a:avLst/>
@@ -6558,7 +6558,7 @@
                 <a:ea typeface="Amazon Ember" panose="020B0603020204020204" pitchFamily="34" charset="0"/>
                 <a:cs typeface="Amazon Ember" panose="020B0603020204020204" pitchFamily="34" charset="0"/>
               </a:rPr>
-              <a:t>In the private subnet, a Red Hat OpenShift Container Platform (OCP) cluster made up of the following:</a:t>
+              <a:t>In the private subnet, a Red Hat OpenShift Container Platform (OCP) cluster deployed to Amazon EC2 instances. The cluster contains the following nodes:</a:t>
             </a:r>
           </a:p>
           <a:p>
@@ -6572,7 +6572,7 @@
                 <a:ea typeface="Amazon Ember" panose="020B0603020204020204" pitchFamily="34" charset="0"/>
                 <a:cs typeface="Amazon Ember" panose="020B0603020204020204" pitchFamily="34" charset="0"/>
               </a:rPr>
-              <a:t>Control plane nodes to manage the cluster and run the OpenShift web console.</a:t>
+              <a:t>Control plane nodes for cluster management and the OpenShift web console.</a:t>
             </a:r>
           </a:p>
           <a:p>
@@ -6616,7 +6616,7 @@
                 <a:ea typeface="Amazon Ember" panose="020B0603020204020204" pitchFamily="34" charset="0"/>
                 <a:cs typeface="Amazon Ember" panose="020B0603020204020204" pitchFamily="34" charset="0"/>
               </a:rPr>
-              <a:t>Network Load Balancers for routing internal and external OpenShift API traffic to control plane nodes.</a:t>
+              <a:t>A Network Load Balancer for routing internal and external OpenShift API traffic to control plane nodes.</a:t>
             </a:r>
           </a:p>
           <a:p>
@@ -6630,7 +6630,7 @@
                 <a:ea typeface="Amazon Ember" panose="020B0603020204020204" pitchFamily="34" charset="0"/>
                 <a:cs typeface="Amazon Ember" panose="020B0603020204020204" pitchFamily="34" charset="0"/>
               </a:rPr>
-              <a:t>A Classic Load Balancer for accessing </a:t>
+              <a:t>A Classic Load Balancer for routing web browser traffic to </a:t>
             </a:r>
             <a:r>
               <a:rPr lang="en-US" sz="1400" dirty="0" err="1">
@@ -6646,7 +6646,7 @@
                 <a:ea typeface="Amazon Ember" panose="020B0603020204020204" pitchFamily="34" charset="0"/>
                 <a:cs typeface="Amazon Ember" panose="020B0603020204020204" pitchFamily="34" charset="0"/>
               </a:rPr>
-              <a:t> Insights on compute nodes from a web browser.</a:t>
+              <a:t> Insights on the compute nodes.</a:t>
             </a:r>
           </a:p>
           <a:p>
@@ -7091,80 +7091,10 @@
           </a:p>
         </p:txBody>
       </p:sp>
-      <p:sp>
-        <p:nvSpPr>
-          <p:cNvPr id="46" name="Rectangle 45">
-            <a:extLst>
-              <a:ext uri="{FF2B5EF4-FFF2-40B4-BE49-F238E27FC236}">
-                <a16:creationId xmlns:a16="http://schemas.microsoft.com/office/drawing/2014/main" id="{5B535BDD-FC3E-45E0-A34C-91F72CB48FC2}"/>
-              </a:ext>
-            </a:extLst>
-          </p:cNvPr>
-          <p:cNvSpPr/>
-          <p:nvPr/>
-        </p:nvSpPr>
-        <p:spPr>
-          <a:xfrm>
-            <a:off x="3703362" y="4114807"/>
-            <a:ext cx="4663440" cy="2560320"/>
-          </a:xfrm>
-          <a:prstGeom prst="rect">
-            <a:avLst/>
-          </a:prstGeom>
-          <a:noFill/>
-          <a:ln w="12700">
-            <a:solidFill>
-              <a:srgbClr val="5A6B86"/>
-            </a:solidFill>
-            <a:prstDash val="dash"/>
-          </a:ln>
-        </p:spPr>
-        <p:style>
-          <a:lnRef idx="2">
-            <a:schemeClr val="accent1">
-              <a:shade val="50000"/>
-            </a:schemeClr>
-          </a:lnRef>
-          <a:fillRef idx="1">
-            <a:schemeClr val="accent1"/>
-          </a:fillRef>
-          <a:effectRef idx="0">
-            <a:schemeClr val="accent1"/>
-          </a:effectRef>
-          <a:fontRef idx="minor">
-            <a:schemeClr val="lt1"/>
-          </a:fontRef>
-        </p:style>
-        <p:txBody>
-          <a:bodyPr tIns="91440"/>
-          <a:lstStyle/>
-          <a:p>
-            <a:pPr algn="ctr" eaLnBrk="1" fontAlgn="auto" hangingPunct="1">
-              <a:spcBef>
-                <a:spcPts val="0"/>
-              </a:spcBef>
-              <a:spcAft>
-                <a:spcPts val="0"/>
-              </a:spcAft>
-              <a:defRPr/>
-            </a:pPr>
-            <a:r>
-              <a:rPr lang="en-US" sz="1200" dirty="0">
-                <a:solidFill>
-                  <a:srgbClr val="5A6B86"/>
-                </a:solidFill>
-                <a:latin typeface="Arial" panose="020B0604020202020204" pitchFamily="34" charset="0"/>
-                <a:cs typeface="Arial" panose="020B0604020202020204" pitchFamily="34" charset="0"/>
-              </a:rPr>
-              <a:t>OCP cluster</a:t>
-            </a:r>
-          </a:p>
-        </p:txBody>
-      </p:sp>
     </p:spTree>
     <p:extLst>
       <p:ext uri="{BB962C8B-B14F-4D97-AF65-F5344CB8AC3E}">
-        <p14:creationId xmlns:p14="http://schemas.microsoft.com/office/powerpoint/2010/main" val="630293073"/>
+        <p14:creationId xmlns:p14="http://schemas.microsoft.com/office/powerpoint/2010/main" val="1114334005"/>
       </p:ext>
     </p:extLst>
   </p:cSld>

--- a/docs/deployment_guide/images/guardium-insights-architecture-diagram.pptx
+++ b/docs/deployment_guide/images/guardium-insights-architecture-diagram.pptx
@@ -6544,7 +6544,7 @@
                 <a:ea typeface="Amazon Ember" panose="020B0603020204020204" pitchFamily="34" charset="0"/>
                 <a:cs typeface="Amazon Ember" panose="020B0603020204020204" pitchFamily="34" charset="0"/>
               </a:rPr>
-              <a:t>An Amazon Elastic Compute Cloud (Amazon EC2) instance for a boot node and bastion host to allow outbound internet access for resources in the private subnet.</a:t>
+              <a:t>An Amazon Elastic Compute Cloud (Amazon EC2) instance for a boot node and bastion host to allow inbound internet access to resources in the private subnet.</a:t>
             </a:r>
           </a:p>
           <a:p>
@@ -6974,7 +6974,7 @@
         </p:nvSpPr>
         <p:spPr>
           <a:xfrm>
-            <a:off x="917118" y="11951183"/>
+            <a:off x="917118" y="12674021"/>
             <a:ext cx="9783973" cy="1169551"/>
           </a:xfrm>
           <a:prstGeom prst="rect">

--- a/docs/deployment_guide/images/guardium-insights-architecture-diagram.pptx
+++ b/docs/deployment_guide/images/guardium-insights-architecture-diagram.pptx
@@ -243,7 +243,7 @@
           <a:p>
             <a:fld id="{EC8D3B35-D2A9-4703-B981-4D525078C7E4}" type="datetimeFigureOut">
               <a:rPr lang="en-US" smtClean="0"/>
-              <a:t>9/6/2022</a:t>
+              <a:t>9/7/2022</a:t>
             </a:fld>
             <a:endParaRPr lang="en-US"/>
           </a:p>
@@ -413,7 +413,7 @@
           <a:p>
             <a:fld id="{EC8D3B35-D2A9-4703-B981-4D525078C7E4}" type="datetimeFigureOut">
               <a:rPr lang="en-US" smtClean="0"/>
-              <a:t>9/6/2022</a:t>
+              <a:t>9/7/2022</a:t>
             </a:fld>
             <a:endParaRPr lang="en-US"/>
           </a:p>
@@ -593,7 +593,7 @@
           <a:p>
             <a:fld id="{EC8D3B35-D2A9-4703-B981-4D525078C7E4}" type="datetimeFigureOut">
               <a:rPr lang="en-US" smtClean="0"/>
-              <a:t>9/6/2022</a:t>
+              <a:t>9/7/2022</a:t>
             </a:fld>
             <a:endParaRPr lang="en-US"/>
           </a:p>
@@ -763,7 +763,7 @@
           <a:p>
             <a:fld id="{EC8D3B35-D2A9-4703-B981-4D525078C7E4}" type="datetimeFigureOut">
               <a:rPr lang="en-US" smtClean="0"/>
-              <a:t>9/6/2022</a:t>
+              <a:t>9/7/2022</a:t>
             </a:fld>
             <a:endParaRPr lang="en-US"/>
           </a:p>
@@ -1007,7 +1007,7 @@
           <a:p>
             <a:fld id="{EC8D3B35-D2A9-4703-B981-4D525078C7E4}" type="datetimeFigureOut">
               <a:rPr lang="en-US" smtClean="0"/>
-              <a:t>9/6/2022</a:t>
+              <a:t>9/7/2022</a:t>
             </a:fld>
             <a:endParaRPr lang="en-US"/>
           </a:p>
@@ -1239,7 +1239,7 @@
           <a:p>
             <a:fld id="{EC8D3B35-D2A9-4703-B981-4D525078C7E4}" type="datetimeFigureOut">
               <a:rPr lang="en-US" smtClean="0"/>
-              <a:t>9/6/2022</a:t>
+              <a:t>9/7/2022</a:t>
             </a:fld>
             <a:endParaRPr lang="en-US"/>
           </a:p>
@@ -1606,7 +1606,7 @@
           <a:p>
             <a:fld id="{EC8D3B35-D2A9-4703-B981-4D525078C7E4}" type="datetimeFigureOut">
               <a:rPr lang="en-US" smtClean="0"/>
-              <a:t>9/6/2022</a:t>
+              <a:t>9/7/2022</a:t>
             </a:fld>
             <a:endParaRPr lang="en-US"/>
           </a:p>
@@ -1724,7 +1724,7 @@
           <a:p>
             <a:fld id="{EC8D3B35-D2A9-4703-B981-4D525078C7E4}" type="datetimeFigureOut">
               <a:rPr lang="en-US" smtClean="0"/>
-              <a:t>9/6/2022</a:t>
+              <a:t>9/7/2022</a:t>
             </a:fld>
             <a:endParaRPr lang="en-US"/>
           </a:p>
@@ -1819,7 +1819,7 @@
           <a:p>
             <a:fld id="{EC8D3B35-D2A9-4703-B981-4D525078C7E4}" type="datetimeFigureOut">
               <a:rPr lang="en-US" smtClean="0"/>
-              <a:t>9/6/2022</a:t>
+              <a:t>9/7/2022</a:t>
             </a:fld>
             <a:endParaRPr lang="en-US"/>
           </a:p>
@@ -2096,7 +2096,7 @@
           <a:p>
             <a:fld id="{EC8D3B35-D2A9-4703-B981-4D525078C7E4}" type="datetimeFigureOut">
               <a:rPr lang="en-US" smtClean="0"/>
-              <a:t>9/6/2022</a:t>
+              <a:t>9/7/2022</a:t>
             </a:fld>
             <a:endParaRPr lang="en-US"/>
           </a:p>
@@ -2353,7 +2353,7 @@
           <a:p>
             <a:fld id="{EC8D3B35-D2A9-4703-B981-4D525078C7E4}" type="datetimeFigureOut">
               <a:rPr lang="en-US" smtClean="0"/>
-              <a:t>9/6/2022</a:t>
+              <a:t>9/7/2022</a:t>
             </a:fld>
             <a:endParaRPr lang="en-US"/>
           </a:p>
@@ -2566,7 +2566,7 @@
           <a:p>
             <a:fld id="{EC8D3B35-D2A9-4703-B981-4D525078C7E4}" type="datetimeFigureOut">
               <a:rPr lang="en-US" smtClean="0"/>
-              <a:t>9/6/2022</a:t>
+              <a:t>9/7/2022</a:t>
             </a:fld>
             <a:endParaRPr lang="en-US"/>
           </a:p>
@@ -3814,7 +3814,7 @@
                 <a:ea typeface="Amazon Ember" panose="020B0603020204020204" pitchFamily="34" charset="0"/>
                 <a:cs typeface="Arial" panose="020B0604020202020204" pitchFamily="34" charset="0"/>
               </a:rPr>
-              <a:t>Balancer</a:t>
+              <a:t>Balancers</a:t>
             </a:r>
           </a:p>
         </p:txBody>
@@ -6616,7 +6616,7 @@
                 <a:ea typeface="Amazon Ember" panose="020B0603020204020204" pitchFamily="34" charset="0"/>
                 <a:cs typeface="Amazon Ember" panose="020B0603020204020204" pitchFamily="34" charset="0"/>
               </a:rPr>
-              <a:t>A Network Load Balancer for routing internal and external OpenShift API traffic to control plane nodes.</a:t>
+              <a:t>Network Load Balancers for routing internal and external OpenShift API traffic to control plane nodes.</a:t>
             </a:r>
           </a:p>
           <a:p>
